--- a/Seccion 1 Introducción al espacio multivariante/Diapositivas/1.7 Matriz de correlaciones.pptx
+++ b/Seccion 1 Introducción al espacio multivariante/Diapositivas/1.7 Matriz de correlaciones.pptx
@@ -265,7 +265,7 @@
             <a:fld id="{B61BEF0D-F0BB-DE4B-95CE-6DB70DBA9567}" type="datetimeFigureOut">
               <a:rPr lang="en-US" smtClean="0"/>
               <a:pPr/>
-              <a:t>12/11/2019</a:t>
+              <a:t>12/20/2019</a:t>
             </a:fld>
             <a:endParaRPr lang="en-US" dirty="0"/>
           </a:p>
@@ -464,7 +464,7 @@
           <a:p>
             <a:fld id="{55C6B4A9-1611-4792-9094-5F34BCA07E0B}" type="datetimeFigureOut">
               <a:rPr lang="en-US" smtClean="0"/>
-              <a:t>12/11/2019</a:t>
+              <a:t>12/20/2019</a:t>
             </a:fld>
             <a:endParaRPr lang="en-US" dirty="0"/>
           </a:p>
@@ -673,7 +673,7 @@
             <a:fld id="{B61BEF0D-F0BB-DE4B-95CE-6DB70DBA9567}" type="datetimeFigureOut">
               <a:rPr lang="en-US" smtClean="0"/>
               <a:pPr/>
-              <a:t>12/11/2019</a:t>
+              <a:t>12/20/2019</a:t>
             </a:fld>
             <a:endParaRPr lang="en-US" dirty="0"/>
           </a:p>
@@ -1493,7 +1493,7 @@
             <a:fld id="{B61BEF0D-F0BB-DE4B-95CE-6DB70DBA9567}" type="datetimeFigureOut">
               <a:rPr lang="en-US" smtClean="0"/>
               <a:pPr/>
-              <a:t>12/11/2019</a:t>
+              <a:t>12/20/2019</a:t>
             </a:fld>
             <a:endParaRPr lang="en-US" dirty="0"/>
           </a:p>
@@ -1665,7 +1665,7 @@
             <a:fld id="{B61BEF0D-F0BB-DE4B-95CE-6DB70DBA9567}" type="datetimeFigureOut">
               <a:rPr lang="en-US" smtClean="0"/>
               <a:pPr/>
-              <a:t>12/11/2019</a:t>
+              <a:t>12/20/2019</a:t>
             </a:fld>
             <a:endParaRPr lang="en-US" dirty="0"/>
           </a:p>
@@ -1914,7 +1914,7 @@
             <a:fld id="{B61BEF0D-F0BB-DE4B-95CE-6DB70DBA9567}" type="datetimeFigureOut">
               <a:rPr lang="en-US" smtClean="0"/>
               <a:pPr/>
-              <a:t>12/11/2019</a:t>
+              <a:t>12/20/2019</a:t>
             </a:fld>
             <a:endParaRPr lang="en-US" dirty="0"/>
           </a:p>
@@ -2147,7 +2147,7 @@
           <a:p>
             <a:fld id="{EB712588-04B1-427B-82EE-E8DB90309F08}" type="datetimeFigureOut">
               <a:rPr lang="en-US" smtClean="0"/>
-              <a:t>12/11/2019</a:t>
+              <a:t>12/20/2019</a:t>
             </a:fld>
             <a:endParaRPr lang="en-US" dirty="0"/>
           </a:p>
@@ -2522,7 +2522,7 @@
             <a:fld id="{B61BEF0D-F0BB-DE4B-95CE-6DB70DBA9567}" type="datetimeFigureOut">
               <a:rPr lang="en-US" smtClean="0"/>
               <a:pPr/>
-              <a:t>12/11/2019</a:t>
+              <a:t>12/20/2019</a:t>
             </a:fld>
             <a:endParaRPr lang="en-US" dirty="0"/>
           </a:p>
@@ -2647,7 +2647,7 @@
             <a:fld id="{B61BEF0D-F0BB-DE4B-95CE-6DB70DBA9567}" type="datetimeFigureOut">
               <a:rPr lang="en-US" smtClean="0"/>
               <a:pPr/>
-              <a:t>12/11/2019</a:t>
+              <a:t>12/20/2019</a:t>
             </a:fld>
             <a:endParaRPr lang="en-US" dirty="0"/>
           </a:p>
@@ -2744,7 +2744,7 @@
             <a:fld id="{B61BEF0D-F0BB-DE4B-95CE-6DB70DBA9567}" type="datetimeFigureOut">
               <a:rPr lang="en-US" smtClean="0"/>
               <a:pPr/>
-              <a:t>12/11/2019</a:t>
+              <a:t>12/20/2019</a:t>
             </a:fld>
             <a:endParaRPr lang="en-US" dirty="0"/>
           </a:p>
@@ -3000,7 +3000,7 @@
           <a:p>
             <a:fld id="{42A54C80-263E-416B-A8E0-580EDEADCBDC}" type="datetimeFigureOut">
               <a:rPr lang="en-US" smtClean="0"/>
-              <a:t>12/11/2019</a:t>
+              <a:t>12/20/2019</a:t>
             </a:fld>
             <a:endParaRPr lang="en-US" dirty="0"/>
           </a:p>
@@ -3187,7 +3187,7 @@
             <a:fld id="{B61BEF0D-F0BB-DE4B-95CE-6DB70DBA9567}" type="datetimeFigureOut">
               <a:rPr lang="en-US" smtClean="0"/>
               <a:pPr/>
-              <a:t>12/11/2019</a:t>
+              <a:t>12/20/2019</a:t>
             </a:fld>
             <a:endParaRPr lang="en-US" dirty="0"/>
           </a:p>
@@ -3507,7 +3507,7 @@
             <a:fld id="{B61BEF0D-F0BB-DE4B-95CE-6DB70DBA9567}" type="datetimeFigureOut">
               <a:rPr lang="en-US" smtClean="0"/>
               <a:pPr/>
-              <a:t>12/11/2019</a:t>
+              <a:t>12/20/2019</a:t>
             </a:fld>
             <a:endParaRPr lang="en-US" dirty="0"/>
           </a:p>
@@ -3717,7 +3717,7 @@
             <a:fld id="{B61BEF0D-F0BB-DE4B-95CE-6DB70DBA9567}" type="datetimeFigureOut">
               <a:rPr lang="en-US" smtClean="0"/>
               <a:pPr/>
-              <a:t>12/11/2019</a:t>
+              <a:t>12/20/2019</a:t>
             </a:fld>
             <a:endParaRPr lang="en-US" dirty="0"/>
           </a:p>
@@ -4033,7 +4033,7 @@
             <a:fld id="{B61BEF0D-F0BB-DE4B-95CE-6DB70DBA9567}" type="datetimeFigureOut">
               <a:rPr lang="en-US" smtClean="0"/>
               <a:pPr/>
-              <a:t>12/11/2019</a:t>
+              <a:t>12/20/2019</a:t>
             </a:fld>
             <a:endParaRPr lang="en-US" dirty="0"/>
           </a:p>
@@ -4368,7 +4368,7 @@
             <a:fld id="{B61BEF0D-F0BB-DE4B-95CE-6DB70DBA9567}" type="datetimeFigureOut">
               <a:rPr lang="en-US" smtClean="0"/>
               <a:pPr/>
-              <a:t>12/11/2019</a:t>
+              <a:t>12/20/2019</a:t>
             </a:fld>
             <a:endParaRPr lang="en-US" dirty="0"/>
           </a:p>
@@ -4684,7 +4684,7 @@
             <a:fld id="{B61BEF0D-F0BB-DE4B-95CE-6DB70DBA9567}" type="datetimeFigureOut">
               <a:rPr lang="en-US" smtClean="0"/>
               <a:pPr/>
-              <a:t>12/11/2019</a:t>
+              <a:t>12/20/2019</a:t>
             </a:fld>
             <a:endParaRPr lang="en-US" dirty="0"/>
           </a:p>
@@ -5079,7 +5079,7 @@
             <a:fld id="{B61BEF0D-F0BB-DE4B-95CE-6DB70DBA9567}" type="datetimeFigureOut">
               <a:rPr lang="en-US" smtClean="0"/>
               <a:pPr/>
-              <a:t>12/11/2019</a:t>
+              <a:t>12/20/2019</a:t>
             </a:fld>
             <a:endParaRPr lang="en-US" dirty="0"/>
           </a:p>
@@ -5250,7 +5250,7 @@
           <a:p>
             <a:fld id="{55C6B4A9-1611-4792-9094-5F34BCA07E0B}" type="datetimeFigureOut">
               <a:rPr lang="en-US" smtClean="0"/>
-              <a:t>12/11/2019</a:t>
+              <a:t>12/20/2019</a:t>
             </a:fld>
             <a:endParaRPr lang="en-US" dirty="0"/>
           </a:p>
@@ -5431,7 +5431,7 @@
             <a:fld id="{B61BEF0D-F0BB-DE4B-95CE-6DB70DBA9567}" type="datetimeFigureOut">
               <a:rPr lang="en-US" smtClean="0"/>
               <a:pPr/>
-              <a:t>12/11/2019</a:t>
+              <a:t>12/20/2019</a:t>
             </a:fld>
             <a:endParaRPr lang="en-US" dirty="0"/>
           </a:p>
@@ -5696,7 +5696,7 @@
             <a:fld id="{B61BEF0D-F0BB-DE4B-95CE-6DB70DBA9567}" type="datetimeFigureOut">
               <a:rPr lang="en-US" smtClean="0"/>
               <a:pPr/>
-              <a:t>12/11/2019</a:t>
+              <a:t>12/20/2019</a:t>
             </a:fld>
             <a:endParaRPr lang="en-US" dirty="0"/>
           </a:p>
@@ -5962,7 +5962,7 @@
           <a:p>
             <a:fld id="{EB712588-04B1-427B-82EE-E8DB90309F08}" type="datetimeFigureOut">
               <a:rPr lang="en-US" smtClean="0"/>
-              <a:t>12/11/2019</a:t>
+              <a:t>12/20/2019</a:t>
             </a:fld>
             <a:endParaRPr lang="en-US" dirty="0"/>
           </a:p>
@@ -6375,7 +6375,7 @@
             <a:fld id="{B61BEF0D-F0BB-DE4B-95CE-6DB70DBA9567}" type="datetimeFigureOut">
               <a:rPr lang="en-US" smtClean="0"/>
               <a:pPr/>
-              <a:t>12/11/2019</a:t>
+              <a:t>12/20/2019</a:t>
             </a:fld>
             <a:endParaRPr lang="en-US" dirty="0"/>
           </a:p>
@@ -6518,7 +6518,7 @@
             <a:fld id="{B61BEF0D-F0BB-DE4B-95CE-6DB70DBA9567}" type="datetimeFigureOut">
               <a:rPr lang="en-US" smtClean="0"/>
               <a:pPr/>
-              <a:t>12/11/2019</a:t>
+              <a:t>12/20/2019</a:t>
             </a:fld>
             <a:endParaRPr lang="en-US" dirty="0"/>
           </a:p>
@@ -6633,7 +6633,7 @@
             <a:fld id="{B61BEF0D-F0BB-DE4B-95CE-6DB70DBA9567}" type="datetimeFigureOut">
               <a:rPr lang="en-US" smtClean="0"/>
               <a:pPr/>
-              <a:t>12/11/2019</a:t>
+              <a:t>12/20/2019</a:t>
             </a:fld>
             <a:endParaRPr lang="en-US" dirty="0"/>
           </a:p>
@@ -6945,7 +6945,7 @@
           <a:p>
             <a:fld id="{42A54C80-263E-416B-A8E0-580EDEADCBDC}" type="datetimeFigureOut">
               <a:rPr lang="en-US" smtClean="0"/>
-              <a:t>12/11/2019</a:t>
+              <a:t>12/20/2019</a:t>
             </a:fld>
             <a:endParaRPr lang="en-US" dirty="0"/>
           </a:p>
@@ -7234,7 +7234,7 @@
             <a:fld id="{B61BEF0D-F0BB-DE4B-95CE-6DB70DBA9567}" type="datetimeFigureOut">
               <a:rPr lang="en-US" smtClean="0"/>
               <a:pPr/>
-              <a:t>12/11/2019</a:t>
+              <a:t>12/20/2019</a:t>
             </a:fld>
             <a:endParaRPr lang="en-US" dirty="0"/>
           </a:p>
@@ -7477,7 +7477,7 @@
             <a:fld id="{B61BEF0D-F0BB-DE4B-95CE-6DB70DBA9567}" type="datetimeFigureOut">
               <a:rPr lang="en-US" smtClean="0"/>
               <a:pPr/>
-              <a:t>12/11/2019</a:t>
+              <a:t>12/20/2019</a:t>
             </a:fld>
             <a:endParaRPr lang="en-US" dirty="0"/>
           </a:p>
@@ -8562,7 +8562,7 @@
             <a:fld id="{B61BEF0D-F0BB-DE4B-95CE-6DB70DBA9567}" type="datetimeFigureOut">
               <a:rPr lang="en-US" smtClean="0"/>
               <a:pPr/>
-              <a:t>12/11/2019</a:t>
+              <a:t>12/20/2019</a:t>
             </a:fld>
             <a:endParaRPr lang="en-US" dirty="0"/>
           </a:p>
@@ -9749,12 +9749,14 @@
                         <a:latin typeface="Cambria Math" panose="02040503050406030204" pitchFamily="18" charset="0"/>
                         <a:cs typeface="Calibri" panose="020F0502020204030204" pitchFamily="34" charset="0"/>
                       </a:rPr>
-                      <m:t>={</m:t>
+                      <m:t>=</m:t>
                     </m:r>
-                    <m:sSub>
-                      <m:sSubPr>
+                    <m:d>
+                      <m:dPr>
+                        <m:begChr m:val="["/>
+                        <m:endChr m:val="]"/>
                         <m:ctrlPr>
-                          <a:rPr lang="es-ES" sz="2000" b="0" i="0" smtClean="0">
+                          <a:rPr lang="es-ES" sz="2000" b="1" i="0" smtClean="0">
                             <a:solidFill>
                               <a:schemeClr val="bg1"/>
                             </a:solidFill>
@@ -9762,20 +9764,45 @@
                             <a:cs typeface="Calibri" panose="020F0502020204030204" pitchFamily="34" charset="0"/>
                           </a:rPr>
                         </m:ctrlPr>
-                      </m:sSubPr>
+                      </m:dPr>
                       <m:e>
-                        <m:r>
-                          <a:rPr lang="es-ES" sz="2000" b="1">
-                            <a:solidFill>
-                              <a:schemeClr val="bg1"/>
-                            </a:solidFill>
-                            <a:latin typeface="Cambria Math" panose="02040503050406030204" pitchFamily="18" charset="0"/>
-                            <a:cs typeface="Calibri" panose="020F0502020204030204" pitchFamily="34" charset="0"/>
-                          </a:rPr>
-                          <m:t>𝐱</m:t>
-                        </m:r>
-                      </m:e>
-                      <m:sub>
+                        <m:sSub>
+                          <m:sSubPr>
+                            <m:ctrlPr>
+                              <a:rPr lang="es-ES" sz="2000" b="0" i="1" smtClean="0">
+                                <a:solidFill>
+                                  <a:schemeClr val="bg1"/>
+                                </a:solidFill>
+                                <a:latin typeface="Cambria Math" panose="02040503050406030204" pitchFamily="18" charset="0"/>
+                                <a:cs typeface="Calibri" panose="020F0502020204030204" pitchFamily="34" charset="0"/>
+                              </a:rPr>
+                            </m:ctrlPr>
+                          </m:sSubPr>
+                          <m:e>
+                            <m:r>
+                              <a:rPr lang="es-ES" sz="2000" b="1">
+                                <a:solidFill>
+                                  <a:schemeClr val="bg1"/>
+                                </a:solidFill>
+                                <a:latin typeface="Cambria Math" panose="02040503050406030204" pitchFamily="18" charset="0"/>
+                                <a:cs typeface="Calibri" panose="020F0502020204030204" pitchFamily="34" charset="0"/>
+                              </a:rPr>
+                              <m:t>𝐱</m:t>
+                            </m:r>
+                          </m:e>
+                          <m:sub>
+                            <m:r>
+                              <a:rPr lang="es-ES" sz="2000" b="0" i="0" smtClean="0">
+                                <a:solidFill>
+                                  <a:schemeClr val="bg1"/>
+                                </a:solidFill>
+                                <a:latin typeface="Cambria Math" panose="02040503050406030204" pitchFamily="18" charset="0"/>
+                                <a:cs typeface="Calibri" panose="020F0502020204030204" pitchFamily="34" charset="0"/>
+                              </a:rPr>
+                              <m:t>1</m:t>
+                            </m:r>
+                          </m:sub>
+                        </m:sSub>
                         <m:r>
                           <a:rPr lang="es-ES" sz="2000" b="0" i="0" smtClean="0">
                             <a:solidFill>
@@ -9784,70 +9811,50 @@
                             <a:latin typeface="Cambria Math" panose="02040503050406030204" pitchFamily="18" charset="0"/>
                             <a:cs typeface="Calibri" panose="020F0502020204030204" pitchFamily="34" charset="0"/>
                           </a:rPr>
-                          <m:t>1</m:t>
+                          <m:t>,…,</m:t>
                         </m:r>
-                      </m:sub>
-                    </m:sSub>
-                    <m:r>
-                      <a:rPr lang="es-ES" sz="2000" b="0" i="0" smtClean="0">
-                        <a:solidFill>
-                          <a:schemeClr val="bg1"/>
-                        </a:solidFill>
-                        <a:latin typeface="Cambria Math" panose="02040503050406030204" pitchFamily="18" charset="0"/>
-                        <a:cs typeface="Calibri" panose="020F0502020204030204" pitchFamily="34" charset="0"/>
-                      </a:rPr>
-                      <m:t>,…,</m:t>
-                    </m:r>
-                    <m:sSub>
-                      <m:sSubPr>
-                        <m:ctrlPr>
-                          <a:rPr lang="es-ES" sz="2000" b="0" i="0" smtClean="0">
-                            <a:solidFill>
-                              <a:schemeClr val="bg1"/>
-                            </a:solidFill>
-                            <a:latin typeface="Cambria Math" panose="02040503050406030204" pitchFamily="18" charset="0"/>
-                            <a:cs typeface="Calibri" panose="020F0502020204030204" pitchFamily="34" charset="0"/>
-                          </a:rPr>
-                        </m:ctrlPr>
-                      </m:sSubPr>
-                      <m:e>
-                        <m:r>
-                          <a:rPr lang="es-ES" sz="2000" b="1">
-                            <a:solidFill>
-                              <a:schemeClr val="bg1"/>
-                            </a:solidFill>
-                            <a:latin typeface="Cambria Math" panose="02040503050406030204" pitchFamily="18" charset="0"/>
-                            <a:cs typeface="Calibri" panose="020F0502020204030204" pitchFamily="34" charset="0"/>
-                          </a:rPr>
-                          <m:t>𝐱</m:t>
-                        </m:r>
+                        <m:sSub>
+                          <m:sSubPr>
+                            <m:ctrlPr>
+                              <a:rPr lang="es-ES" sz="2000" b="0" i="1" smtClean="0">
+                                <a:solidFill>
+                                  <a:schemeClr val="bg1"/>
+                                </a:solidFill>
+                                <a:latin typeface="Cambria Math" panose="02040503050406030204" pitchFamily="18" charset="0"/>
+                                <a:cs typeface="Calibri" panose="020F0502020204030204" pitchFamily="34" charset="0"/>
+                              </a:rPr>
+                            </m:ctrlPr>
+                          </m:sSubPr>
+                          <m:e>
+                            <m:r>
+                              <a:rPr lang="es-ES" sz="2000" b="1">
+                                <a:solidFill>
+                                  <a:schemeClr val="bg1"/>
+                                </a:solidFill>
+                                <a:latin typeface="Cambria Math" panose="02040503050406030204" pitchFamily="18" charset="0"/>
+                                <a:cs typeface="Calibri" panose="020F0502020204030204" pitchFamily="34" charset="0"/>
+                              </a:rPr>
+                              <m:t>𝐱</m:t>
+                            </m:r>
+                          </m:e>
+                          <m:sub>
+                            <m:r>
+                              <m:rPr>
+                                <m:sty m:val="p"/>
+                              </m:rPr>
+                              <a:rPr lang="es-ES" sz="2000" b="0" i="0" smtClean="0">
+                                <a:solidFill>
+                                  <a:schemeClr val="bg1"/>
+                                </a:solidFill>
+                                <a:latin typeface="Cambria Math" panose="02040503050406030204" pitchFamily="18" charset="0"/>
+                                <a:cs typeface="Calibri" panose="020F0502020204030204" pitchFamily="34" charset="0"/>
+                              </a:rPr>
+                              <m:t>p</m:t>
+                            </m:r>
+                          </m:sub>
+                        </m:sSub>
                       </m:e>
-                      <m:sub>
-                        <m:r>
-                          <m:rPr>
-                            <m:sty m:val="p"/>
-                          </m:rPr>
-                          <a:rPr lang="es-ES" sz="2000" b="0" i="0" smtClean="0">
-                            <a:solidFill>
-                              <a:schemeClr val="bg1"/>
-                            </a:solidFill>
-                            <a:latin typeface="Cambria Math" panose="02040503050406030204" pitchFamily="18" charset="0"/>
-                            <a:cs typeface="Calibri" panose="020F0502020204030204" pitchFamily="34" charset="0"/>
-                          </a:rPr>
-                          <m:t>p</m:t>
-                        </m:r>
-                      </m:sub>
-                    </m:sSub>
-                    <m:r>
-                      <a:rPr lang="es-ES" sz="2000" b="0" i="0" smtClean="0">
-                        <a:solidFill>
-                          <a:schemeClr val="bg1"/>
-                        </a:solidFill>
-                        <a:latin typeface="Cambria Math" panose="02040503050406030204" pitchFamily="18" charset="0"/>
-                        <a:cs typeface="Calibri" panose="020F0502020204030204" pitchFamily="34" charset="0"/>
-                      </a:rPr>
-                      <m:t>}</m:t>
-                    </m:r>
+                    </m:d>
                   </m:oMath>
                 </a14:m>
                 <a:r>
@@ -9865,7 +9872,7 @@
                     <m:sSub>
                       <m:sSubPr>
                         <m:ctrlPr>
-                          <a:rPr lang="es-ES" sz="2000" b="1" i="0" smtClean="0">
+                          <a:rPr lang="es-ES" sz="2000" b="1" i="1" smtClean="0">
                             <a:solidFill>
                               <a:schemeClr val="bg1"/>
                             </a:solidFill>
@@ -10687,8 +10694,8 @@
           </a:p>
         </p:txBody>
       </p:sp>
-      <mc:AlternateContent xmlns:mc="http://schemas.openxmlformats.org/markup-compatibility/2006">
-        <mc:Choice xmlns:a14="http://schemas.microsoft.com/office/drawing/2010/main" Requires="a14">
+      <mc:AlternateContent xmlns:mc="http://schemas.openxmlformats.org/markup-compatibility/2006" xmlns:a14="http://schemas.microsoft.com/office/drawing/2010/main">
+        <mc:Choice Requires="a14">
           <p:sp>
             <p:nvSpPr>
               <p:cNvPr id="3" name="Marcador de contenido 2">
@@ -11241,7 +11248,7 @@
             </p:txBody>
           </p:sp>
         </mc:Choice>
-        <mc:Fallback>
+        <mc:Fallback xmlns="">
           <p:sp>
             <p:nvSpPr>
               <p:cNvPr id="3" name="Marcador de contenido 2">

--- a/Seccion 1 Introducción al espacio multivariante/Diapositivas/1.7 Matriz de correlaciones.pptx
+++ b/Seccion 1 Introducción al espacio multivariante/Diapositivas/1.7 Matriz de correlaciones.pptx
@@ -265,7 +265,7 @@
             <a:fld id="{B61BEF0D-F0BB-DE4B-95CE-6DB70DBA9567}" type="datetimeFigureOut">
               <a:rPr lang="en-US" smtClean="0"/>
               <a:pPr/>
-              <a:t>12/20/2019</a:t>
+              <a:t>3/19/2020</a:t>
             </a:fld>
             <a:endParaRPr lang="en-US" dirty="0"/>
           </a:p>
@@ -464,7 +464,7 @@
           <a:p>
             <a:fld id="{55C6B4A9-1611-4792-9094-5F34BCA07E0B}" type="datetimeFigureOut">
               <a:rPr lang="en-US" smtClean="0"/>
-              <a:t>12/20/2019</a:t>
+              <a:t>3/19/2020</a:t>
             </a:fld>
             <a:endParaRPr lang="en-US" dirty="0"/>
           </a:p>
@@ -673,7 +673,7 @@
             <a:fld id="{B61BEF0D-F0BB-DE4B-95CE-6DB70DBA9567}" type="datetimeFigureOut">
               <a:rPr lang="en-US" smtClean="0"/>
               <a:pPr/>
-              <a:t>12/20/2019</a:t>
+              <a:t>3/19/2020</a:t>
             </a:fld>
             <a:endParaRPr lang="en-US" dirty="0"/>
           </a:p>
@@ -1493,7 +1493,7 @@
             <a:fld id="{B61BEF0D-F0BB-DE4B-95CE-6DB70DBA9567}" type="datetimeFigureOut">
               <a:rPr lang="en-US" smtClean="0"/>
               <a:pPr/>
-              <a:t>12/20/2019</a:t>
+              <a:t>3/19/2020</a:t>
             </a:fld>
             <a:endParaRPr lang="en-US" dirty="0"/>
           </a:p>
@@ -1665,7 +1665,7 @@
             <a:fld id="{B61BEF0D-F0BB-DE4B-95CE-6DB70DBA9567}" type="datetimeFigureOut">
               <a:rPr lang="en-US" smtClean="0"/>
               <a:pPr/>
-              <a:t>12/20/2019</a:t>
+              <a:t>3/19/2020</a:t>
             </a:fld>
             <a:endParaRPr lang="en-US" dirty="0"/>
           </a:p>
@@ -1914,7 +1914,7 @@
             <a:fld id="{B61BEF0D-F0BB-DE4B-95CE-6DB70DBA9567}" type="datetimeFigureOut">
               <a:rPr lang="en-US" smtClean="0"/>
               <a:pPr/>
-              <a:t>12/20/2019</a:t>
+              <a:t>3/19/2020</a:t>
             </a:fld>
             <a:endParaRPr lang="en-US" dirty="0"/>
           </a:p>
@@ -2147,7 +2147,7 @@
           <a:p>
             <a:fld id="{EB712588-04B1-427B-82EE-E8DB90309F08}" type="datetimeFigureOut">
               <a:rPr lang="en-US" smtClean="0"/>
-              <a:t>12/20/2019</a:t>
+              <a:t>3/19/2020</a:t>
             </a:fld>
             <a:endParaRPr lang="en-US" dirty="0"/>
           </a:p>
@@ -2522,7 +2522,7 @@
             <a:fld id="{B61BEF0D-F0BB-DE4B-95CE-6DB70DBA9567}" type="datetimeFigureOut">
               <a:rPr lang="en-US" smtClean="0"/>
               <a:pPr/>
-              <a:t>12/20/2019</a:t>
+              <a:t>3/19/2020</a:t>
             </a:fld>
             <a:endParaRPr lang="en-US" dirty="0"/>
           </a:p>
@@ -2647,7 +2647,7 @@
             <a:fld id="{B61BEF0D-F0BB-DE4B-95CE-6DB70DBA9567}" type="datetimeFigureOut">
               <a:rPr lang="en-US" smtClean="0"/>
               <a:pPr/>
-              <a:t>12/20/2019</a:t>
+              <a:t>3/19/2020</a:t>
             </a:fld>
             <a:endParaRPr lang="en-US" dirty="0"/>
           </a:p>
@@ -2744,7 +2744,7 @@
             <a:fld id="{B61BEF0D-F0BB-DE4B-95CE-6DB70DBA9567}" type="datetimeFigureOut">
               <a:rPr lang="en-US" smtClean="0"/>
               <a:pPr/>
-              <a:t>12/20/2019</a:t>
+              <a:t>3/19/2020</a:t>
             </a:fld>
             <a:endParaRPr lang="en-US" dirty="0"/>
           </a:p>
@@ -3000,7 +3000,7 @@
           <a:p>
             <a:fld id="{42A54C80-263E-416B-A8E0-580EDEADCBDC}" type="datetimeFigureOut">
               <a:rPr lang="en-US" smtClean="0"/>
-              <a:t>12/20/2019</a:t>
+              <a:t>3/19/2020</a:t>
             </a:fld>
             <a:endParaRPr lang="en-US" dirty="0"/>
           </a:p>
@@ -3187,7 +3187,7 @@
             <a:fld id="{B61BEF0D-F0BB-DE4B-95CE-6DB70DBA9567}" type="datetimeFigureOut">
               <a:rPr lang="en-US" smtClean="0"/>
               <a:pPr/>
-              <a:t>12/20/2019</a:t>
+              <a:t>3/19/2020</a:t>
             </a:fld>
             <a:endParaRPr lang="en-US" dirty="0"/>
           </a:p>
@@ -3507,7 +3507,7 @@
             <a:fld id="{B61BEF0D-F0BB-DE4B-95CE-6DB70DBA9567}" type="datetimeFigureOut">
               <a:rPr lang="en-US" smtClean="0"/>
               <a:pPr/>
-              <a:t>12/20/2019</a:t>
+              <a:t>3/19/2020</a:t>
             </a:fld>
             <a:endParaRPr lang="en-US" dirty="0"/>
           </a:p>
@@ -3717,7 +3717,7 @@
             <a:fld id="{B61BEF0D-F0BB-DE4B-95CE-6DB70DBA9567}" type="datetimeFigureOut">
               <a:rPr lang="en-US" smtClean="0"/>
               <a:pPr/>
-              <a:t>12/20/2019</a:t>
+              <a:t>3/19/2020</a:t>
             </a:fld>
             <a:endParaRPr lang="en-US" dirty="0"/>
           </a:p>
@@ -4033,7 +4033,7 @@
             <a:fld id="{B61BEF0D-F0BB-DE4B-95CE-6DB70DBA9567}" type="datetimeFigureOut">
               <a:rPr lang="en-US" smtClean="0"/>
               <a:pPr/>
-              <a:t>12/20/2019</a:t>
+              <a:t>3/19/2020</a:t>
             </a:fld>
             <a:endParaRPr lang="en-US" dirty="0"/>
           </a:p>
@@ -4368,7 +4368,7 @@
             <a:fld id="{B61BEF0D-F0BB-DE4B-95CE-6DB70DBA9567}" type="datetimeFigureOut">
               <a:rPr lang="en-US" smtClean="0"/>
               <a:pPr/>
-              <a:t>12/20/2019</a:t>
+              <a:t>3/19/2020</a:t>
             </a:fld>
             <a:endParaRPr lang="en-US" dirty="0"/>
           </a:p>
@@ -4684,7 +4684,7 @@
             <a:fld id="{B61BEF0D-F0BB-DE4B-95CE-6DB70DBA9567}" type="datetimeFigureOut">
               <a:rPr lang="en-US" smtClean="0"/>
               <a:pPr/>
-              <a:t>12/20/2019</a:t>
+              <a:t>3/19/2020</a:t>
             </a:fld>
             <a:endParaRPr lang="en-US" dirty="0"/>
           </a:p>
@@ -5079,7 +5079,7 @@
             <a:fld id="{B61BEF0D-F0BB-DE4B-95CE-6DB70DBA9567}" type="datetimeFigureOut">
               <a:rPr lang="en-US" smtClean="0"/>
               <a:pPr/>
-              <a:t>12/20/2019</a:t>
+              <a:t>3/19/2020</a:t>
             </a:fld>
             <a:endParaRPr lang="en-US" dirty="0"/>
           </a:p>
@@ -5250,7 +5250,7 @@
           <a:p>
             <a:fld id="{55C6B4A9-1611-4792-9094-5F34BCA07E0B}" type="datetimeFigureOut">
               <a:rPr lang="en-US" smtClean="0"/>
-              <a:t>12/20/2019</a:t>
+              <a:t>3/19/2020</a:t>
             </a:fld>
             <a:endParaRPr lang="en-US" dirty="0"/>
           </a:p>
@@ -5431,7 +5431,7 @@
             <a:fld id="{B61BEF0D-F0BB-DE4B-95CE-6DB70DBA9567}" type="datetimeFigureOut">
               <a:rPr lang="en-US" smtClean="0"/>
               <a:pPr/>
-              <a:t>12/20/2019</a:t>
+              <a:t>3/19/2020</a:t>
             </a:fld>
             <a:endParaRPr lang="en-US" dirty="0"/>
           </a:p>
@@ -5696,7 +5696,7 @@
             <a:fld id="{B61BEF0D-F0BB-DE4B-95CE-6DB70DBA9567}" type="datetimeFigureOut">
               <a:rPr lang="en-US" smtClean="0"/>
               <a:pPr/>
-              <a:t>12/20/2019</a:t>
+              <a:t>3/19/2020</a:t>
             </a:fld>
             <a:endParaRPr lang="en-US" dirty="0"/>
           </a:p>
@@ -5962,7 +5962,7 @@
           <a:p>
             <a:fld id="{EB712588-04B1-427B-82EE-E8DB90309F08}" type="datetimeFigureOut">
               <a:rPr lang="en-US" smtClean="0"/>
-              <a:t>12/20/2019</a:t>
+              <a:t>3/19/2020</a:t>
             </a:fld>
             <a:endParaRPr lang="en-US" dirty="0"/>
           </a:p>
@@ -6375,7 +6375,7 @@
             <a:fld id="{B61BEF0D-F0BB-DE4B-95CE-6DB70DBA9567}" type="datetimeFigureOut">
               <a:rPr lang="en-US" smtClean="0"/>
               <a:pPr/>
-              <a:t>12/20/2019</a:t>
+              <a:t>3/19/2020</a:t>
             </a:fld>
             <a:endParaRPr lang="en-US" dirty="0"/>
           </a:p>
@@ -6518,7 +6518,7 @@
             <a:fld id="{B61BEF0D-F0BB-DE4B-95CE-6DB70DBA9567}" type="datetimeFigureOut">
               <a:rPr lang="en-US" smtClean="0"/>
               <a:pPr/>
-              <a:t>12/20/2019</a:t>
+              <a:t>3/19/2020</a:t>
             </a:fld>
             <a:endParaRPr lang="en-US" dirty="0"/>
           </a:p>
@@ -6633,7 +6633,7 @@
             <a:fld id="{B61BEF0D-F0BB-DE4B-95CE-6DB70DBA9567}" type="datetimeFigureOut">
               <a:rPr lang="en-US" smtClean="0"/>
               <a:pPr/>
-              <a:t>12/20/2019</a:t>
+              <a:t>3/19/2020</a:t>
             </a:fld>
             <a:endParaRPr lang="en-US" dirty="0"/>
           </a:p>
@@ -6945,7 +6945,7 @@
           <a:p>
             <a:fld id="{42A54C80-263E-416B-A8E0-580EDEADCBDC}" type="datetimeFigureOut">
               <a:rPr lang="en-US" smtClean="0"/>
-              <a:t>12/20/2019</a:t>
+              <a:t>3/19/2020</a:t>
             </a:fld>
             <a:endParaRPr lang="en-US" dirty="0"/>
           </a:p>
@@ -7234,7 +7234,7 @@
             <a:fld id="{B61BEF0D-F0BB-DE4B-95CE-6DB70DBA9567}" type="datetimeFigureOut">
               <a:rPr lang="en-US" smtClean="0"/>
               <a:pPr/>
-              <a:t>12/20/2019</a:t>
+              <a:t>3/19/2020</a:t>
             </a:fld>
             <a:endParaRPr lang="en-US" dirty="0"/>
           </a:p>
@@ -7477,7 +7477,7 @@
             <a:fld id="{B61BEF0D-F0BB-DE4B-95CE-6DB70DBA9567}" type="datetimeFigureOut">
               <a:rPr lang="en-US" smtClean="0"/>
               <a:pPr/>
-              <a:t>12/20/2019</a:t>
+              <a:t>3/19/2020</a:t>
             </a:fld>
             <a:endParaRPr lang="en-US" dirty="0"/>
           </a:p>
@@ -8562,7 +8562,7 @@
             <a:fld id="{B61BEF0D-F0BB-DE4B-95CE-6DB70DBA9567}" type="datetimeFigureOut">
               <a:rPr lang="en-US" smtClean="0"/>
               <a:pPr/>
-              <a:t>12/20/2019</a:t>
+              <a:t>3/19/2020</a:t>
             </a:fld>
             <a:endParaRPr lang="en-US" dirty="0"/>
           </a:p>
@@ -9449,7 +9449,27 @@
                 <a:latin typeface="Calibri" panose="020F0502020204030204" pitchFamily="34" charset="0"/>
                 <a:cs typeface="Calibri" panose="020F0502020204030204" pitchFamily="34" charset="0"/>
               </a:rPr>
-              <a:t>Es una medida numérica estadística que permite:</a:t>
+              <a:t>Es una </a:t>
+            </a:r>
+            <a:r>
+              <a:rPr lang="es-ES" sz="2000" b="1" dirty="0">
+                <a:solidFill>
+                  <a:srgbClr val="FFC000"/>
+                </a:solidFill>
+                <a:latin typeface="Calibri" panose="020F0502020204030204" pitchFamily="34" charset="0"/>
+                <a:cs typeface="Calibri" panose="020F0502020204030204" pitchFamily="34" charset="0"/>
+              </a:rPr>
+              <a:t>medida numérica estadística </a:t>
+            </a:r>
+            <a:r>
+              <a:rPr lang="es-ES" sz="2000" b="1" dirty="0">
+                <a:solidFill>
+                  <a:schemeClr val="bg1"/>
+                </a:solidFill>
+                <a:latin typeface="Calibri" panose="020F0502020204030204" pitchFamily="34" charset="0"/>
+                <a:cs typeface="Calibri" panose="020F0502020204030204" pitchFamily="34" charset="0"/>
+              </a:rPr>
+              <a:t>que permite:</a:t>
             </a:r>
           </a:p>
           <a:p>
@@ -9512,7 +9532,7 @@
                 <a:latin typeface="Calibri" panose="020F0502020204030204" pitchFamily="34" charset="0"/>
                 <a:cs typeface="Calibri" panose="020F0502020204030204" pitchFamily="34" charset="0"/>
               </a:rPr>
-              <a:t>Si vale -1 significa que la relación lineal es fuerte y negativa.</a:t>
+              <a:t>Si vale -1 significa que la relación lineal es fuerte y negativa o inversa.</a:t>
             </a:r>
           </a:p>
           <a:p>
@@ -9524,7 +9544,7 @@
                 <a:latin typeface="Calibri" panose="020F0502020204030204" pitchFamily="34" charset="0"/>
                 <a:cs typeface="Calibri" panose="020F0502020204030204" pitchFamily="34" charset="0"/>
               </a:rPr>
-              <a:t>Si vale 1 significa que la relación lineal es fuerte y positiva.</a:t>
+              <a:t>Si vale 1 significa que la relación lineal es fuerte y positiva o directa.</a:t>
             </a:r>
           </a:p>
           <a:p>
@@ -9661,8 +9681,8 @@
           </a:p>
         </p:txBody>
       </p:sp>
-      <mc:AlternateContent xmlns:mc="http://schemas.openxmlformats.org/markup-compatibility/2006">
-        <mc:Choice xmlns:a14="http://schemas.microsoft.com/office/drawing/2010/main" Requires="a14">
+      <mc:AlternateContent xmlns:mc="http://schemas.openxmlformats.org/markup-compatibility/2006" xmlns:a14="http://schemas.microsoft.com/office/drawing/2010/main">
+        <mc:Choice Requires="a14">
           <p:sp>
             <p:nvSpPr>
               <p:cNvPr id="3" name="Marcador de contenido 2">
@@ -9756,7 +9776,7 @@
                         <m:begChr m:val="["/>
                         <m:endChr m:val="]"/>
                         <m:ctrlPr>
-                          <a:rPr lang="es-ES" sz="2000" b="1" i="0" smtClean="0">
+                          <a:rPr lang="es-ES" sz="2000" b="1" i="1" smtClean="0">
                             <a:solidFill>
                               <a:schemeClr val="bg1"/>
                             </a:solidFill>
@@ -10569,7 +10589,7 @@
             </p:txBody>
           </p:sp>
         </mc:Choice>
-        <mc:Fallback>
+        <mc:Fallback xmlns="">
           <p:sp>
             <p:nvSpPr>
               <p:cNvPr id="3" name="Marcador de contenido 2">
@@ -10669,7 +10689,7 @@
         </p:nvSpPr>
         <p:spPr>
           <a:xfrm>
-            <a:off x="871267" y="537747"/>
+            <a:off x="871267" y="317587"/>
             <a:ext cx="8045276" cy="1320800"/>
           </a:xfrm>
         </p:spPr>
@@ -10685,7 +10705,7 @@
               </a:lnSpc>
             </a:pPr>
             <a:r>
-              <a:rPr lang="es-ES" sz="2800" dirty="0">
+              <a:rPr lang="es-ES" dirty="0">
                 <a:latin typeface="Calibri" panose="020F0502020204030204" pitchFamily="34" charset="0"/>
                 <a:cs typeface="Calibri" panose="020F0502020204030204" pitchFamily="34" charset="0"/>
               </a:rPr>
@@ -10694,8 +10714,8 @@
           </a:p>
         </p:txBody>
       </p:sp>
-      <mc:AlternateContent xmlns:mc="http://schemas.openxmlformats.org/markup-compatibility/2006" xmlns:a14="http://schemas.microsoft.com/office/drawing/2010/main">
-        <mc:Choice Requires="a14">
+      <mc:AlternateContent xmlns:mc="http://schemas.openxmlformats.org/markup-compatibility/2006">
+        <mc:Choice xmlns:a14="http://schemas.microsoft.com/office/drawing/2010/main" Requires="a14">
           <p:sp>
             <p:nvSpPr>
               <p:cNvPr id="3" name="Marcador de contenido 2">
@@ -10715,7 +10735,7 @@
             <p:spPr>
               <a:xfrm>
                 <a:off x="871267" y="1999240"/>
-                <a:ext cx="8793165" cy="3880773"/>
+                <a:ext cx="8849782" cy="3880773"/>
               </a:xfrm>
             </p:spPr>
             <p:txBody>
@@ -10730,23 +10750,7 @@
                       <a:schemeClr val="bg1"/>
                     </a:solidFill>
                   </a:rPr>
-                  <a:t>Cada elemento de la matriz de </a:t>
-                </a:r>
-                <a:r>
-                  <a:rPr lang="es-ES">
-                    <a:solidFill>
-                      <a:schemeClr val="bg1"/>
-                    </a:solidFill>
-                  </a:rPr>
-                  <a:t>correlaciones </a:t>
-                </a:r>
-                <a:r>
-                  <a:rPr lang="es-ES" sz="1800">
-                    <a:solidFill>
-                      <a:schemeClr val="bg1"/>
-                    </a:solidFill>
-                  </a:rPr>
-                  <a:t>será </a:t>
+                  <a:t>Cada elemento de la matriz de correlaciones </a:t>
                 </a:r>
                 <a:r>
                   <a:rPr lang="es-ES" sz="1800" dirty="0">
@@ -10754,7 +10758,7 @@
                       <a:schemeClr val="bg1"/>
                     </a:solidFill>
                   </a:rPr>
-                  <a:t>la correlación entre las variables </a:t>
+                  <a:t>será la correlación entre las variables </a:t>
                 </a:r>
                 <a14:m>
                   <m:oMath xmlns:m="http://schemas.openxmlformats.org/officeDocument/2006/math">
@@ -10878,7 +10882,126 @@
                       <a:schemeClr val="bg1"/>
                     </a:solidFill>
                   </a:rPr>
-                  <a:t>En la diagonal vale 1 porque es la correlación entre cada variable consigo misma.</a:t>
+                  <a:t>En la diagonal vale 1 porque es la correlación entre cada variable consigo misma (</a:t>
+                </a:r>
+                <a14:m>
+                  <m:oMath xmlns:m="http://schemas.openxmlformats.org/officeDocument/2006/math">
+                    <m:r>
+                      <a:rPr lang="es-ES" i="1">
+                        <a:solidFill>
+                          <a:schemeClr val="bg1"/>
+                        </a:solidFill>
+                        <a:latin typeface="Cambria Math" panose="02040503050406030204" pitchFamily="18" charset="0"/>
+                      </a:rPr>
+                      <m:t>𝑐𝑜𝑟𝑟</m:t>
+                    </m:r>
+                    <m:d>
+                      <m:dPr>
+                        <m:ctrlPr>
+                          <a:rPr lang="es-ES" i="1">
+                            <a:solidFill>
+                              <a:schemeClr val="bg1"/>
+                            </a:solidFill>
+                            <a:latin typeface="Cambria Math" panose="02040503050406030204" pitchFamily="18" charset="0"/>
+                          </a:rPr>
+                        </m:ctrlPr>
+                      </m:dPr>
+                      <m:e>
+                        <m:sSub>
+                          <m:sSubPr>
+                            <m:ctrlPr>
+                              <a:rPr lang="es-ES" i="1">
+                                <a:solidFill>
+                                  <a:schemeClr val="bg1"/>
+                                </a:solidFill>
+                                <a:latin typeface="Cambria Math" panose="02040503050406030204" pitchFamily="18" charset="0"/>
+                                <a:cs typeface="Calibri" panose="020F0502020204030204" pitchFamily="34" charset="0"/>
+                              </a:rPr>
+                            </m:ctrlPr>
+                          </m:sSubPr>
+                          <m:e>
+                            <m:r>
+                              <a:rPr lang="es-ES" b="1">
+                                <a:solidFill>
+                                  <a:schemeClr val="bg1"/>
+                                </a:solidFill>
+                                <a:latin typeface="Cambria Math" panose="02040503050406030204" pitchFamily="18" charset="0"/>
+                                <a:cs typeface="Calibri" panose="020F0502020204030204" pitchFamily="34" charset="0"/>
+                              </a:rPr>
+                              <m:t>𝐱</m:t>
+                            </m:r>
+                          </m:e>
+                          <m:sub>
+                            <m:r>
+                              <a:rPr lang="es-ES" i="1">
+                                <a:solidFill>
+                                  <a:schemeClr val="bg1"/>
+                                </a:solidFill>
+                                <a:latin typeface="Cambria Math" panose="02040503050406030204" pitchFamily="18" charset="0"/>
+                                <a:cs typeface="Calibri" panose="020F0502020204030204" pitchFamily="34" charset="0"/>
+                              </a:rPr>
+                              <m:t>𝑖</m:t>
+                            </m:r>
+                          </m:sub>
+                        </m:sSub>
+                        <m:r>
+                          <a:rPr lang="es-ES" i="1">
+                            <a:solidFill>
+                              <a:schemeClr val="bg1"/>
+                            </a:solidFill>
+                            <a:latin typeface="Cambria Math" panose="02040503050406030204" pitchFamily="18" charset="0"/>
+                            <a:cs typeface="Calibri" panose="020F0502020204030204" pitchFamily="34" charset="0"/>
+                          </a:rPr>
+                          <m:t>,</m:t>
+                        </m:r>
+                        <m:sSub>
+                          <m:sSubPr>
+                            <m:ctrlPr>
+                              <a:rPr lang="es-ES" i="1">
+                                <a:solidFill>
+                                  <a:schemeClr val="bg1"/>
+                                </a:solidFill>
+                                <a:latin typeface="Cambria Math" panose="02040503050406030204" pitchFamily="18" charset="0"/>
+                                <a:cs typeface="Calibri" panose="020F0502020204030204" pitchFamily="34" charset="0"/>
+                              </a:rPr>
+                            </m:ctrlPr>
+                          </m:sSubPr>
+                          <m:e>
+                            <m:r>
+                              <a:rPr lang="es-ES" b="1">
+                                <a:solidFill>
+                                  <a:schemeClr val="bg1"/>
+                                </a:solidFill>
+                                <a:latin typeface="Cambria Math" panose="02040503050406030204" pitchFamily="18" charset="0"/>
+                                <a:cs typeface="Calibri" panose="020F0502020204030204" pitchFamily="34" charset="0"/>
+                              </a:rPr>
+                              <m:t>𝐱</m:t>
+                            </m:r>
+                          </m:e>
+                          <m:sub>
+                            <m:r>
+                              <a:rPr lang="es-ES" b="0" i="1" smtClean="0">
+                                <a:solidFill>
+                                  <a:schemeClr val="bg1"/>
+                                </a:solidFill>
+                                <a:latin typeface="Cambria Math" panose="02040503050406030204" pitchFamily="18" charset="0"/>
+                                <a:cs typeface="Calibri" panose="020F0502020204030204" pitchFamily="34" charset="0"/>
+                              </a:rPr>
+                              <m:t>𝑖</m:t>
+                            </m:r>
+                          </m:sub>
+                        </m:sSub>
+                      </m:e>
+                    </m:d>
+                  </m:oMath>
+                </a14:m>
+                <a:r>
+                  <a:rPr lang="es-ES" sz="1800" dirty="0">
+                    <a:solidFill>
+                      <a:schemeClr val="bg1"/>
+                    </a:solidFill>
+                  </a:rPr>
+                  <a:t>)</a:t>
                 </a:r>
               </a:p>
               <a:p>
@@ -11248,7 +11371,7 @@
             </p:txBody>
           </p:sp>
         </mc:Choice>
-        <mc:Fallback xmlns="">
+        <mc:Fallback>
           <p:sp>
             <p:nvSpPr>
               <p:cNvPr id="3" name="Marcador de contenido 2">
@@ -11268,12 +11391,12 @@
             <p:spPr>
               <a:xfrm>
                 <a:off x="871267" y="1999240"/>
-                <a:ext cx="8793165" cy="3880773"/>
+                <a:ext cx="8849782" cy="3880773"/>
               </a:xfrm>
               <a:blipFill>
                 <a:blip r:embed="rId2"/>
                 <a:stretch>
-                  <a:fillRect l="-208" t="-1099"/>
+                  <a:fillRect l="-207" t="-1099" r="-758"/>
                 </a:stretch>
               </a:blipFill>
             </p:spPr>
@@ -11307,7 +11430,7 @@
           <p:nvPr>
             <p:extLst>
               <p:ext uri="{D42A27DB-BD31-4B8C-83A1-F6EECF244321}">
-                <p14:modId xmlns:p14="http://schemas.microsoft.com/office/powerpoint/2010/main" val="633181608"/>
+                <p14:modId xmlns:p14="http://schemas.microsoft.com/office/powerpoint/2010/main" val="995382676"/>
               </p:ext>
             </p:extLst>
           </p:nvPr>
@@ -11365,42 +11488,18 @@
                     <a:bodyPr/>
                     <a:lstStyle/>
                     <a:p>
-                      <a:endParaRPr lang="es-ES" sz="1400"/>
+                      <a:endParaRPr lang="es-ES" sz="1400" dirty="0">
+                        <a:solidFill>
+                          <a:schemeClr val="bg1"/>
+                        </a:solidFill>
+                      </a:endParaRPr>
                     </a:p>
                   </a:txBody>
-                  <a:tcPr marL="69172" marR="69172" marT="34586" marB="34586" anchor="ctr"/>
-                </a:tc>
-                <a:tc>
-                  <a:txBody>
-                    <a:bodyPr/>
-                    <a:lstStyle/>
-                    <a:p>
-                      <a:pPr algn="r"/>
-                      <a:r>
-                        <a:rPr lang="es-ES" sz="1400" b="1">
-                          <a:effectLst/>
-                        </a:rPr>
-                        <a:t>sepal_length</a:t>
-                      </a:r>
-                    </a:p>
-                  </a:txBody>
-                  <a:tcPr marL="69172" marR="69172" marT="34586" marB="34586" anchor="ctr"/>
-                </a:tc>
-                <a:tc>
-                  <a:txBody>
-                    <a:bodyPr/>
-                    <a:lstStyle/>
-                    <a:p>
-                      <a:pPr algn="r"/>
-                      <a:r>
-                        <a:rPr lang="es-ES" sz="1400" b="1">
-                          <a:effectLst/>
-                        </a:rPr>
-                        <a:t>sepal_width</a:t>
-                      </a:r>
-                    </a:p>
-                  </a:txBody>
-                  <a:tcPr marL="69172" marR="69172" marT="34586" marB="34586" anchor="ctr"/>
+                  <a:tcPr marL="69172" marR="69172" marT="34586" marB="34586" anchor="ctr">
+                    <a:solidFill>
+                      <a:schemeClr val="accent2"/>
+                    </a:solidFill>
+                  </a:tcPr>
                 </a:tc>
                 <a:tc>
                   <a:txBody>
@@ -11410,16 +11509,26 @@
                       <a:pPr algn="r"/>
                       <a:r>
                         <a:rPr lang="es-ES" sz="1400" b="1" dirty="0" err="1">
+                          <a:solidFill>
+                            <a:schemeClr val="bg1"/>
+                          </a:solidFill>
                           <a:effectLst/>
                         </a:rPr>
-                        <a:t>petal_length</a:t>
+                        <a:t>sepal_length</a:t>
                       </a:r>
                       <a:endParaRPr lang="es-ES" sz="1400" b="1" dirty="0">
+                        <a:solidFill>
+                          <a:schemeClr val="bg1"/>
+                        </a:solidFill>
                         <a:effectLst/>
                       </a:endParaRPr>
                     </a:p>
                   </a:txBody>
-                  <a:tcPr marL="69172" marR="69172" marT="34586" marB="34586" anchor="ctr"/>
+                  <a:tcPr marL="69172" marR="69172" marT="34586" marB="34586" anchor="ctr">
+                    <a:solidFill>
+                      <a:schemeClr val="accent2"/>
+                    </a:solidFill>
+                  </a:tcPr>
                 </a:tc>
                 <a:tc>
                   <a:txBody>
@@ -11428,14 +11537,85 @@
                     <a:p>
                       <a:pPr algn="r"/>
                       <a:r>
-                        <a:rPr lang="es-ES" sz="1400" b="1">
+                        <a:rPr lang="es-ES" sz="1400" b="1" dirty="0" err="1">
+                          <a:solidFill>
+                            <a:schemeClr val="bg1"/>
+                          </a:solidFill>
+                          <a:effectLst/>
+                        </a:rPr>
+                        <a:t>sepal_width</a:t>
+                      </a:r>
+                      <a:endParaRPr lang="es-ES" sz="1400" b="1" dirty="0">
+                        <a:solidFill>
+                          <a:schemeClr val="bg1"/>
+                        </a:solidFill>
+                        <a:effectLst/>
+                      </a:endParaRPr>
+                    </a:p>
+                  </a:txBody>
+                  <a:tcPr marL="69172" marR="69172" marT="34586" marB="34586" anchor="ctr">
+                    <a:solidFill>
+                      <a:schemeClr val="accent2"/>
+                    </a:solidFill>
+                  </a:tcPr>
+                </a:tc>
+                <a:tc>
+                  <a:txBody>
+                    <a:bodyPr/>
+                    <a:lstStyle/>
+                    <a:p>
+                      <a:pPr algn="r"/>
+                      <a:r>
+                        <a:rPr lang="es-ES" sz="1400" b="1" dirty="0" err="1">
+                          <a:solidFill>
+                            <a:schemeClr val="bg1"/>
+                          </a:solidFill>
+                          <a:effectLst/>
+                        </a:rPr>
+                        <a:t>petal_length</a:t>
+                      </a:r>
+                      <a:endParaRPr lang="es-ES" sz="1400" b="1" dirty="0">
+                        <a:solidFill>
+                          <a:schemeClr val="bg1"/>
+                        </a:solidFill>
+                        <a:effectLst/>
+                      </a:endParaRPr>
+                    </a:p>
+                  </a:txBody>
+                  <a:tcPr marL="69172" marR="69172" marT="34586" marB="34586" anchor="ctr">
+                    <a:solidFill>
+                      <a:schemeClr val="accent2"/>
+                    </a:solidFill>
+                  </a:tcPr>
+                </a:tc>
+                <a:tc>
+                  <a:txBody>
+                    <a:bodyPr/>
+                    <a:lstStyle/>
+                    <a:p>
+                      <a:pPr algn="r"/>
+                      <a:r>
+                        <a:rPr lang="es-ES" sz="1400" b="1" dirty="0" err="1">
+                          <a:solidFill>
+                            <a:schemeClr val="bg1"/>
+                          </a:solidFill>
                           <a:effectLst/>
                         </a:rPr>
                         <a:t>petal_width</a:t>
                       </a:r>
+                      <a:endParaRPr lang="es-ES" sz="1400" b="1" dirty="0">
+                        <a:solidFill>
+                          <a:schemeClr val="bg1"/>
+                        </a:solidFill>
+                        <a:effectLst/>
+                      </a:endParaRPr>
                     </a:p>
                   </a:txBody>
-                  <a:tcPr marL="69172" marR="69172" marT="34586" marB="34586" anchor="ctr"/>
+                  <a:tcPr marL="69172" marR="69172" marT="34586" marB="34586" anchor="ctr">
+                    <a:solidFill>
+                      <a:schemeClr val="accent2"/>
+                    </a:solidFill>
+                  </a:tcPr>
                 </a:tc>
                 <a:extLst>
                   <a:ext uri="{0D108BD9-81ED-4DB2-BD59-A6C34878D82A}">
@@ -11451,14 +11631,27 @@
                     <a:p>
                       <a:pPr fontAlgn="ctr"/>
                       <a:r>
-                        <a:rPr lang="es-ES" sz="1400" b="1">
+                        <a:rPr lang="es-ES" sz="1400" b="1" dirty="0" err="1">
+                          <a:solidFill>
+                            <a:schemeClr val="bg1"/>
+                          </a:solidFill>
                           <a:effectLst/>
                         </a:rPr>
                         <a:t>sepal_length</a:t>
                       </a:r>
+                      <a:endParaRPr lang="es-ES" sz="1400" b="1" dirty="0">
+                        <a:solidFill>
+                          <a:schemeClr val="bg1"/>
+                        </a:solidFill>
+                        <a:effectLst/>
+                      </a:endParaRPr>
                     </a:p>
                   </a:txBody>
-                  <a:tcPr marL="69172" marR="69172" marT="34586" marB="34586" anchor="ctr"/>
+                  <a:tcPr marL="69172" marR="69172" marT="34586" marB="34586" anchor="ctr">
+                    <a:solidFill>
+                      <a:schemeClr val="accent2"/>
+                    </a:solidFill>
+                  </a:tcPr>
                 </a:tc>
                 <a:tc>
                   <a:txBody>
@@ -11538,14 +11731,27 @@
                     <a:p>
                       <a:pPr fontAlgn="ctr"/>
                       <a:r>
-                        <a:rPr lang="es-ES" sz="1400" b="1">
+                        <a:rPr lang="es-ES" sz="1400" b="1" dirty="0" err="1">
+                          <a:solidFill>
+                            <a:schemeClr val="bg1"/>
+                          </a:solidFill>
                           <a:effectLst/>
                         </a:rPr>
                         <a:t>sepal_width</a:t>
                       </a:r>
+                      <a:endParaRPr lang="es-ES" sz="1400" b="1" dirty="0">
+                        <a:solidFill>
+                          <a:schemeClr val="bg1"/>
+                        </a:solidFill>
+                        <a:effectLst/>
+                      </a:endParaRPr>
                     </a:p>
                   </a:txBody>
-                  <a:tcPr marL="69172" marR="69172" marT="34586" marB="34586" anchor="ctr"/>
+                  <a:tcPr marL="69172" marR="69172" marT="34586" marB="34586" anchor="ctr">
+                    <a:solidFill>
+                      <a:schemeClr val="accent2"/>
+                    </a:solidFill>
+                  </a:tcPr>
                 </a:tc>
                 <a:tc>
                   <a:txBody>
@@ -11625,14 +11831,27 @@
                     <a:p>
                       <a:pPr fontAlgn="ctr"/>
                       <a:r>
-                        <a:rPr lang="es-ES" sz="1400" b="1">
+                        <a:rPr lang="es-ES" sz="1400" b="1" dirty="0" err="1">
+                          <a:solidFill>
+                            <a:schemeClr val="bg1"/>
+                          </a:solidFill>
                           <a:effectLst/>
                         </a:rPr>
                         <a:t>petal_length</a:t>
                       </a:r>
+                      <a:endParaRPr lang="es-ES" sz="1400" b="1" dirty="0">
+                        <a:solidFill>
+                          <a:schemeClr val="bg1"/>
+                        </a:solidFill>
+                        <a:effectLst/>
+                      </a:endParaRPr>
                     </a:p>
                   </a:txBody>
-                  <a:tcPr marL="69172" marR="69172" marT="34586" marB="34586" anchor="ctr"/>
+                  <a:tcPr marL="69172" marR="69172" marT="34586" marB="34586" anchor="ctr">
+                    <a:solidFill>
+                      <a:schemeClr val="accent2"/>
+                    </a:solidFill>
+                  </a:tcPr>
                 </a:tc>
                 <a:tc>
                   <a:txBody>
@@ -11712,14 +11931,27 @@
                     <a:p>
                       <a:pPr fontAlgn="ctr"/>
                       <a:r>
-                        <a:rPr lang="es-ES" sz="1400" b="1">
+                        <a:rPr lang="es-ES" sz="1400" b="1" dirty="0" err="1">
+                          <a:solidFill>
+                            <a:schemeClr val="bg1"/>
+                          </a:solidFill>
                           <a:effectLst/>
                         </a:rPr>
                         <a:t>petal_width</a:t>
                       </a:r>
+                      <a:endParaRPr lang="es-ES" sz="1400" b="1" dirty="0">
+                        <a:solidFill>
+                          <a:schemeClr val="bg1"/>
+                        </a:solidFill>
+                        <a:effectLst/>
+                      </a:endParaRPr>
                     </a:p>
                   </a:txBody>
-                  <a:tcPr marL="69172" marR="69172" marT="34586" marB="34586" anchor="ctr"/>
+                  <a:tcPr marL="69172" marR="69172" marT="34586" marB="34586" anchor="ctr">
+                    <a:solidFill>
+                      <a:schemeClr val="accent2"/>
+                    </a:solidFill>
+                  </a:tcPr>
                 </a:tc>
                 <a:tc>
                   <a:txBody>
